--- a/Proof of Concept/ppt/arduino.pptx
+++ b/Proof of Concept/ppt/arduino.pptx
@@ -7,9 +7,11 @@
   <p:sldIdLst>
     <p:sldId id="256" r:id="rId2"/>
     <p:sldId id="257" r:id="rId3"/>
-    <p:sldId id="258" r:id="rId4"/>
+    <p:sldId id="261" r:id="rId4"/>
     <p:sldId id="259" r:id="rId5"/>
     <p:sldId id="260" r:id="rId6"/>
+    <p:sldId id="262" r:id="rId7"/>
+    <p:sldId id="263" r:id="rId8"/>
   </p:sldIdLst>
   <p:sldSz cx="12192000" cy="6858000"/>
   <p:notesSz cx="6858000" cy="9144000"/>
@@ -3552,7 +3554,25 @@
               <a:rPr lang="nl-BE" dirty="0"/>
               <a:t> Platform</a:t>
             </a:r>
-            <a:endParaRPr lang="en-US" dirty="0"/>
+          </a:p>
+          <a:p>
+            <a:r>
+              <a:rPr lang="en-GB" dirty="0" err="1"/>
+              <a:t>npm</a:t>
+            </a:r>
+            <a:r>
+              <a:rPr lang="en-GB" dirty="0"/>
+              <a:t> install </a:t>
+            </a:r>
+            <a:r>
+              <a:rPr lang="en-GB" dirty="0" err="1"/>
+              <a:t>johhny</a:t>
+            </a:r>
+            <a:r>
+              <a:rPr lang="en-GB" dirty="0"/>
+              <a:t>-five</a:t>
+            </a:r>
+            <a:endParaRPr lang="nl-BE" dirty="0"/>
           </a:p>
         </p:txBody>
       </p:sp>
@@ -3602,8 +3622,8 @@
         </p:nvSpPr>
         <p:spPr>
           <a:xfrm>
-            <a:off x="5943605" y="964692"/>
-            <a:ext cx="5440680" cy="4936558"/>
+            <a:off x="4494182" y="964692"/>
+            <a:ext cx="6885432" cy="4936558"/>
           </a:xfrm>
           <a:prstGeom prst="rect">
             <a:avLst/>
@@ -3657,8 +3677,8 @@
         </p:nvSpPr>
         <p:spPr>
           <a:xfrm>
-            <a:off x="6110699" y="1128683"/>
-            <a:ext cx="5106493" cy="4608576"/>
+            <a:off x="4657802" y="1128683"/>
+            <a:ext cx="6558192" cy="4608576"/>
           </a:xfrm>
           <a:prstGeom prst="rect">
             <a:avLst/>
@@ -3711,8 +3731,8 @@
         </p:blipFill>
         <p:spPr>
           <a:xfrm>
-            <a:off x="6272789" y="2410752"/>
-            <a:ext cx="4782312" cy="2044438"/>
+            <a:off x="4823366" y="2101936"/>
+            <a:ext cx="6227064" cy="2662069"/>
           </a:xfrm>
           <a:prstGeom prst="rect">
             <a:avLst/>
@@ -3732,7 +3752,7 @@
         <p:spPr>
           <a:xfrm>
             <a:off x="804672" y="964692"/>
-            <a:ext cx="4476806" cy="1188720"/>
+            <a:ext cx="3066937" cy="1188720"/>
           </a:xfrm>
         </p:spPr>
         <p:txBody>
@@ -3743,7 +3763,7 @@
           <a:p>
             <a:r>
               <a:rPr lang="en-GB" dirty="0"/>
-              <a:t>Node.JS</a:t>
+              <a:t>NODE.js</a:t>
             </a:r>
             <a:endParaRPr lang="nl-BE" dirty="0"/>
           </a:p>
@@ -3762,7 +3782,7 @@
         <p:spPr>
           <a:xfrm>
             <a:off x="803244" y="2638044"/>
-            <a:ext cx="4492932" cy="3263206"/>
+            <a:ext cx="3063765" cy="3263206"/>
           </a:xfrm>
         </p:spPr>
         <p:txBody>
@@ -3771,14 +3791,24 @@
           </a:bodyPr>
           <a:lstStyle/>
           <a:p>
-            <a:endParaRPr lang="en-US"/>
+            <a:r>
+              <a:rPr lang="en-US" dirty="0"/>
+              <a:t>Run code	</a:t>
+            </a:r>
+          </a:p>
+          <a:p>
+            <a:pPr lvl="1"/>
+            <a:r>
+              <a:rPr lang="en-US" dirty="0"/>
+              <a:t>node name.js</a:t>
+            </a:r>
           </a:p>
         </p:txBody>
       </p:sp>
     </p:spTree>
     <p:extLst>
       <p:ext uri="{BB962C8B-B14F-4D97-AF65-F5344CB8AC3E}">
-        <p14:creationId xmlns:p14="http://schemas.microsoft.com/office/powerpoint/2010/main" val="2838387747"/>
+        <p14:creationId xmlns:p14="http://schemas.microsoft.com/office/powerpoint/2010/main" val="1329309797"/>
       </p:ext>
     </p:extLst>
   </p:cSld>
@@ -4053,8 +4083,78 @@
           <a:lstStyle/>
           <a:p>
             <a:r>
-              <a:rPr lang="en-US" dirty="0"/>
+              <a:rPr lang="en-US" dirty="0">
+                <a:solidFill>
+                  <a:schemeClr val="bg1"/>
+                </a:solidFill>
+              </a:rPr>
               <a:t>Socket.IO enables real-time bidirectional event-based communication</a:t>
+            </a:r>
+          </a:p>
+          <a:p>
+            <a:r>
+              <a:rPr lang="en-US" dirty="0" err="1">
+                <a:solidFill>
+                  <a:srgbClr val="FFFFFF"/>
+                </a:solidFill>
+              </a:rPr>
+              <a:t>Websocket</a:t>
+            </a:r>
+            <a:endParaRPr lang="en-US" dirty="0">
+              <a:solidFill>
+                <a:srgbClr val="FFFFFF"/>
+              </a:solidFill>
+            </a:endParaRPr>
+          </a:p>
+          <a:p>
+            <a:endParaRPr lang="en-US" dirty="0">
+              <a:solidFill>
+                <a:srgbClr val="FFFFFF"/>
+              </a:solidFill>
+            </a:endParaRPr>
+          </a:p>
+          <a:p>
+            <a:r>
+              <a:rPr lang="en-US" dirty="0" err="1">
+                <a:solidFill>
+                  <a:srgbClr val="FFFFFF"/>
+                </a:solidFill>
+              </a:rPr>
+              <a:t>s</a:t>
+            </a:r>
+            <a:r>
+              <a:rPr lang="en-US" dirty="0" err="1">
+                <a:solidFill>
+                  <a:srgbClr val="FFFFFF"/>
+                </a:solidFill>
+              </a:rPr>
+              <a:t>ocket.emit</a:t>
+            </a:r>
+            <a:r>
+              <a:rPr lang="en-US" dirty="0">
+                <a:solidFill>
+                  <a:srgbClr val="FFFFFF"/>
+                </a:solidFill>
+              </a:rPr>
+              <a:t>(‘name’), trigger event</a:t>
+            </a:r>
+          </a:p>
+          <a:p>
+            <a:r>
+              <a:rPr lang="en-US" dirty="0" err="1">
+                <a:solidFill>
+                  <a:srgbClr val="FFFFFF"/>
+                </a:solidFill>
+              </a:rPr>
+              <a:t>socket.on</a:t>
+            </a:r>
+            <a:r>
+              <a:rPr lang="en-US" dirty="0">
+                <a:solidFill>
+                  <a:srgbClr val="FFFFFF"/>
+                </a:solidFill>
+              </a:rPr>
+              <a:t>(‘name’), received trigger and do some stuff</a:t>
             </a:r>
             <a:endParaRPr lang="en-US" dirty="0">
               <a:solidFill>
@@ -4096,36 +4196,120 @@
       </p:grpSpPr>
       <p:sp>
         <p:nvSpPr>
-          <p:cNvPr id="2" name="Titel 1"/>
-          <p:cNvSpPr>
-            <a:spLocks noGrp="1"/>
-          </p:cNvSpPr>
-          <p:nvPr>
-            <p:ph type="title"/>
-          </p:nvPr>
-        </p:nvSpPr>
-        <p:spPr/>
-        <p:txBody>
-          <a:bodyPr/>
-          <a:lstStyle/>
-          <a:p>
-            <a:r>
-              <a:rPr lang="en-GB" dirty="0"/>
-              <a:t>Arduino</a:t>
-            </a:r>
-            <a:endParaRPr lang="nl-BE" dirty="0"/>
+          <p:cNvPr id="11" name="Rectangle 10"/>
+          <p:cNvSpPr>
+            <a:spLocks noGrp="1" noRot="1" noChangeAspect="1" noMove="1" noResize="1" noEditPoints="1" noAdjustHandles="1" noChangeArrowheads="1" noChangeShapeType="1" noTextEdit="1"/>
+          </p:cNvSpPr>
+          <p:nvPr>
+            <p:extLst>
+              <p:ext uri="{386F3935-93C4-4BCD-93E2-E3B085C9AB24}">
+                <p16:designElem xmlns:p16="http://schemas.microsoft.com/office/powerpoint/2015/main" val="1"/>
+              </p:ext>
+            </p:extLst>
+          </p:nvPr>
+        </p:nvSpPr>
+        <p:spPr>
+          <a:xfrm>
+            <a:off x="4494182" y="964692"/>
+            <a:ext cx="6885432" cy="4936558"/>
+          </a:xfrm>
+          <a:prstGeom prst="rect">
+            <a:avLst/>
+          </a:prstGeom>
+          <a:noFill/>
+          <a:ln w="31750" cap="sq">
+            <a:solidFill>
+              <a:srgbClr val="FFFFFF"/>
+            </a:solidFill>
+            <a:miter lim="800000"/>
+          </a:ln>
+        </p:spPr>
+        <p:style>
+          <a:lnRef idx="2">
+            <a:schemeClr val="accent1">
+              <a:shade val="50000"/>
+            </a:schemeClr>
+          </a:lnRef>
+          <a:fillRef idx="1">
+            <a:schemeClr val="accent1"/>
+          </a:fillRef>
+          <a:effectRef idx="0">
+            <a:schemeClr val="accent1"/>
+          </a:effectRef>
+          <a:fontRef idx="minor">
+            <a:schemeClr val="lt1"/>
+          </a:fontRef>
+        </p:style>
+        <p:txBody>
+          <a:bodyPr rtlCol="0" anchor="ctr"/>
+          <a:lstStyle/>
+          <a:p>
+            <a:pPr algn="ctr"/>
+            <a:endParaRPr lang="en-US" dirty="0"/>
+          </a:p>
+        </p:txBody>
+      </p:sp>
+      <p:sp>
+        <p:nvSpPr>
+          <p:cNvPr id="12" name="Rectangle 11"/>
+          <p:cNvSpPr>
+            <a:spLocks noGrp="1" noRot="1" noChangeAspect="1" noMove="1" noResize="1" noEditPoints="1" noAdjustHandles="1" noChangeArrowheads="1" noChangeShapeType="1" noTextEdit="1"/>
+          </p:cNvSpPr>
+          <p:nvPr>
+            <p:extLst>
+              <p:ext uri="{386F3935-93C4-4BCD-93E2-E3B085C9AB24}">
+                <p16:designElem xmlns:p16="http://schemas.microsoft.com/office/powerpoint/2015/main" val="1"/>
+              </p:ext>
+            </p:extLst>
+          </p:nvPr>
+        </p:nvSpPr>
+        <p:spPr>
+          <a:xfrm>
+            <a:off x="4657802" y="1128683"/>
+            <a:ext cx="6558192" cy="4608576"/>
+          </a:xfrm>
+          <a:prstGeom prst="rect">
+            <a:avLst/>
+          </a:prstGeom>
+          <a:solidFill>
+            <a:srgbClr val="FFFFFF"/>
+          </a:solidFill>
+          <a:ln>
+            <a:noFill/>
+          </a:ln>
+        </p:spPr>
+        <p:style>
+          <a:lnRef idx="2">
+            <a:schemeClr val="accent1">
+              <a:shade val="50000"/>
+            </a:schemeClr>
+          </a:lnRef>
+          <a:fillRef idx="1">
+            <a:schemeClr val="accent1"/>
+          </a:fillRef>
+          <a:effectRef idx="0">
+            <a:schemeClr val="accent1"/>
+          </a:effectRef>
+          <a:fontRef idx="minor">
+            <a:schemeClr val="lt1"/>
+          </a:fontRef>
+        </p:style>
+        <p:txBody>
+          <a:bodyPr rtlCol="0" anchor="ctr"/>
+          <a:lstStyle/>
+          <a:p>
+            <a:pPr algn="ctr"/>
+            <a:endParaRPr lang="en-US"/>
           </a:p>
         </p:txBody>
       </p:sp>
       <p:pic>
         <p:nvPicPr>
-          <p:cNvPr id="4" name="Tijdelijke aanduiding voor inhoud 3"/>
+          <p:cNvPr id="6" name="Tijdelijke aanduiding voor inhoud 3"/>
           <p:cNvPicPr>
-            <a:picLocks noGrp="1" noChangeAspect="1"/>
+            <a:picLocks noChangeAspect="1"/>
           </p:cNvPicPr>
-          <p:nvPr>
-            <p:ph idx="1"/>
-          </p:nvPr>
+          <p:nvPr/>
         </p:nvPicPr>
         <p:blipFill>
           <a:blip r:embed="rId2"/>
@@ -4135,11 +4319,81 @@
         </p:blipFill>
         <p:spPr>
           <a:xfrm>
-            <a:off x="3205987" y="2375778"/>
-            <a:ext cx="5780026" cy="4191801"/>
-          </a:xfrm>
+            <a:off x="4985593" y="1293275"/>
+            <a:ext cx="5902609" cy="4279392"/>
+          </a:xfrm>
+          <a:prstGeom prst="rect">
+            <a:avLst/>
+          </a:prstGeom>
         </p:spPr>
       </p:pic>
+      <p:sp>
+        <p:nvSpPr>
+          <p:cNvPr id="2" name="Titel 1"/>
+          <p:cNvSpPr>
+            <a:spLocks noGrp="1"/>
+          </p:cNvSpPr>
+          <p:nvPr>
+            <p:ph type="title"/>
+          </p:nvPr>
+        </p:nvSpPr>
+        <p:spPr>
+          <a:xfrm>
+            <a:off x="804672" y="964692"/>
+            <a:ext cx="3066937" cy="1188720"/>
+          </a:xfrm>
+        </p:spPr>
+        <p:txBody>
+          <a:bodyPr>
+            <a:normAutofit/>
+          </a:bodyPr>
+          <a:lstStyle/>
+          <a:p>
+            <a:r>
+              <a:rPr lang="en-GB" dirty="0"/>
+              <a:t>Arduino</a:t>
+            </a:r>
+            <a:endParaRPr lang="nl-BE" dirty="0"/>
+          </a:p>
+        </p:txBody>
+      </p:sp>
+      <p:sp>
+        <p:nvSpPr>
+          <p:cNvPr id="8" name="Content Placeholder 7"/>
+          <p:cNvSpPr>
+            <a:spLocks noGrp="1"/>
+          </p:cNvSpPr>
+          <p:nvPr>
+            <p:ph idx="1"/>
+          </p:nvPr>
+        </p:nvSpPr>
+        <p:spPr>
+          <a:xfrm>
+            <a:off x="803244" y="2638044"/>
+            <a:ext cx="3063765" cy="3263206"/>
+          </a:xfrm>
+        </p:spPr>
+        <p:txBody>
+          <a:bodyPr>
+            <a:normAutofit/>
+          </a:bodyPr>
+          <a:lstStyle/>
+          <a:p>
+            <a:r>
+              <a:rPr lang="en-US" dirty="0" err="1"/>
+              <a:t>Firmata</a:t>
+            </a:r>
+            <a:endParaRPr lang="en-US" dirty="0"/>
+          </a:p>
+          <a:p>
+            <a:pPr lvl="1"/>
+            <a:r>
+              <a:rPr lang="en-US" dirty="0"/>
+              <a:t>Protocol to communicate with a microcontroller over USB</a:t>
+            </a:r>
+          </a:p>
+        </p:txBody>
+      </p:sp>
     </p:spTree>
     <p:extLst>
       <p:ext uri="{BB962C8B-B14F-4D97-AF65-F5344CB8AC3E}">
@@ -4150,6 +4404,559 @@
   <p:clrMapOvr>
     <a:masterClrMapping/>
   </p:clrMapOvr>
+</p:sld>
+</file>
+
+<file path=ppt/slides/slide6.xml><?xml version="1.0" encoding="utf-8"?>
+<p:sld xmlns:a="http://schemas.openxmlformats.org/drawingml/2006/main" xmlns:r="http://schemas.openxmlformats.org/officeDocument/2006/relationships" xmlns:p="http://schemas.openxmlformats.org/presentationml/2006/main">
+  <p:cSld>
+    <p:spTree>
+      <p:nvGrpSpPr>
+        <p:cNvPr id="1" name=""/>
+        <p:cNvGrpSpPr/>
+        <p:nvPr/>
+      </p:nvGrpSpPr>
+      <p:grpSpPr>
+        <a:xfrm>
+          <a:off x="0" y="0"/>
+          <a:ext cx="0" cy="0"/>
+          <a:chOff x="0" y="0"/>
+          <a:chExt cx="0" cy="0"/>
+        </a:xfrm>
+      </p:grpSpPr>
+      <p:pic>
+        <p:nvPicPr>
+          <p:cNvPr id="4" name="Afbeelding 3"/>
+          <p:cNvPicPr>
+            <a:picLocks noChangeAspect="1"/>
+          </p:cNvPicPr>
+          <p:nvPr/>
+        </p:nvPicPr>
+        <p:blipFill rotWithShape="1">
+          <a:blip r:embed="rId2"/>
+          <a:srcRect r="9452"/>
+          <a:stretch/>
+        </p:blipFill>
+        <p:spPr>
+          <a:xfrm>
+            <a:off x="7534654" y="10"/>
+            <a:ext cx="4657345" cy="6857990"/>
+          </a:xfrm>
+          <a:prstGeom prst="rect">
+            <a:avLst/>
+          </a:prstGeom>
+        </p:spPr>
+      </p:pic>
+      <p:sp>
+        <p:nvSpPr>
+          <p:cNvPr id="2" name="Titel 1"/>
+          <p:cNvSpPr>
+            <a:spLocks noGrp="1"/>
+          </p:cNvSpPr>
+          <p:nvPr>
+            <p:ph type="title"/>
+          </p:nvPr>
+        </p:nvSpPr>
+        <p:spPr>
+          <a:xfrm>
+            <a:off x="804672" y="978776"/>
+            <a:ext cx="5925310" cy="1174991"/>
+          </a:xfrm>
+        </p:spPr>
+        <p:txBody>
+          <a:bodyPr>
+            <a:normAutofit/>
+          </a:bodyPr>
+          <a:lstStyle/>
+          <a:p>
+            <a:r>
+              <a:rPr lang="en-GB" sz="2400"/>
+              <a:t>start</a:t>
+            </a:r>
+            <a:endParaRPr lang="nl-BE" sz="2400"/>
+          </a:p>
+        </p:txBody>
+      </p:sp>
+      <p:sp>
+        <p:nvSpPr>
+          <p:cNvPr id="3" name="Tijdelijke aanduiding voor inhoud 2"/>
+          <p:cNvSpPr>
+            <a:spLocks noGrp="1"/>
+          </p:cNvSpPr>
+          <p:nvPr>
+            <p:ph idx="1"/>
+          </p:nvPr>
+        </p:nvSpPr>
+        <p:spPr>
+          <a:xfrm>
+            <a:off x="804672" y="2640692"/>
+            <a:ext cx="5925310" cy="3255252"/>
+          </a:xfrm>
+        </p:spPr>
+        <p:txBody>
+          <a:bodyPr>
+            <a:normAutofit/>
+          </a:bodyPr>
+          <a:lstStyle/>
+          <a:p>
+            <a:r>
+              <a:rPr lang="en-GB" dirty="0"/>
+              <a:t>Alarm </a:t>
+            </a:r>
+            <a:r>
+              <a:rPr lang="en-GB" dirty="0" err="1"/>
+              <a:t>aansluiten</a:t>
+            </a:r>
+            <a:r>
+              <a:rPr lang="en-GB" dirty="0"/>
+              <a:t> (fail, schema </a:t>
+            </a:r>
+            <a:r>
+              <a:rPr lang="en-GB" dirty="0" err="1"/>
+              <a:t>niet</a:t>
+            </a:r>
+            <a:r>
+              <a:rPr lang="en-GB" dirty="0"/>
+              <a:t> </a:t>
+            </a:r>
+            <a:r>
+              <a:rPr lang="en-GB" dirty="0" err="1"/>
+              <a:t>toereikend</a:t>
+            </a:r>
+            <a:r>
+              <a:rPr lang="en-GB" dirty="0"/>
+              <a:t>)</a:t>
+            </a:r>
+          </a:p>
+          <a:p>
+            <a:r>
+              <a:rPr lang="en-GB" dirty="0"/>
+              <a:t>Gamepad </a:t>
+            </a:r>
+            <a:r>
+              <a:rPr lang="en-GB" dirty="0" err="1"/>
+              <a:t>aansluiten</a:t>
+            </a:r>
+            <a:r>
+              <a:rPr lang="en-GB" dirty="0"/>
+              <a:t> (fail, </a:t>
+            </a:r>
+            <a:r>
+              <a:rPr lang="en-GB" dirty="0" err="1"/>
+              <a:t>geen</a:t>
+            </a:r>
+            <a:r>
+              <a:rPr lang="en-GB" dirty="0"/>
+              <a:t> </a:t>
+            </a:r>
+            <a:r>
+              <a:rPr lang="en-GB" dirty="0" err="1"/>
+              <a:t>usb</a:t>
+            </a:r>
+            <a:r>
+              <a:rPr lang="en-GB" dirty="0"/>
+              <a:t> </a:t>
+            </a:r>
+            <a:r>
+              <a:rPr lang="en-GB" dirty="0" err="1"/>
+              <a:t>poort</a:t>
+            </a:r>
+            <a:r>
+              <a:rPr lang="en-GB" dirty="0"/>
+              <a:t> op </a:t>
+            </a:r>
+            <a:r>
+              <a:rPr lang="en-GB" dirty="0" err="1"/>
+              <a:t>arduino</a:t>
+            </a:r>
+            <a:r>
+              <a:rPr lang="en-GB" dirty="0"/>
+              <a:t>)</a:t>
+            </a:r>
+          </a:p>
+          <a:p>
+            <a:pPr lvl="1"/>
+            <a:r>
+              <a:rPr lang="en-GB" dirty="0">
+                <a:hlinkClick r:id="rId3"/>
+              </a:rPr>
+              <a:t>https://www.youtube.com/watch?v=q3vXTX6Qe54</a:t>
+            </a:r>
+            <a:r>
+              <a:rPr lang="en-GB" dirty="0"/>
+              <a:t> </a:t>
+            </a:r>
+            <a:endParaRPr lang="en-GB" dirty="0"/>
+          </a:p>
+          <a:p>
+            <a:pPr marL="457200" lvl="2" indent="0">
+              <a:buNone/>
+            </a:pPr>
+            <a:endParaRPr lang="en-GB" dirty="0"/>
+          </a:p>
+          <a:p>
+            <a:pPr marL="457200" lvl="2" indent="0">
+              <a:buNone/>
+            </a:pPr>
+            <a:endParaRPr lang="en-GB" dirty="0"/>
+          </a:p>
+        </p:txBody>
+      </p:sp>
+    </p:spTree>
+    <p:extLst>
+      <p:ext uri="{BB962C8B-B14F-4D97-AF65-F5344CB8AC3E}">
+        <p14:creationId xmlns:p14="http://schemas.microsoft.com/office/powerpoint/2010/main" val="1347598936"/>
+      </p:ext>
+    </p:extLst>
+  </p:cSld>
+  <p:clrMapOvr>
+    <a:masterClrMapping/>
+  </p:clrMapOvr>
+</p:sld>
+</file>
+
+<file path=ppt/slides/slide7.xml><?xml version="1.0" encoding="utf-8"?>
+<p:sld xmlns:a="http://schemas.openxmlformats.org/drawingml/2006/main" xmlns:r="http://schemas.openxmlformats.org/officeDocument/2006/relationships" xmlns:p="http://schemas.openxmlformats.org/presentationml/2006/main">
+  <p:cSld>
+    <p:spTree>
+      <p:nvGrpSpPr>
+        <p:cNvPr id="1" name=""/>
+        <p:cNvGrpSpPr/>
+        <p:nvPr/>
+      </p:nvGrpSpPr>
+      <p:grpSpPr>
+        <a:xfrm>
+          <a:off x="0" y="0"/>
+          <a:ext cx="0" cy="0"/>
+          <a:chOff x="0" y="0"/>
+          <a:chExt cx="0" cy="0"/>
+        </a:xfrm>
+      </p:grpSpPr>
+      <p:sp>
+        <p:nvSpPr>
+          <p:cNvPr id="2" name="Titel 1"/>
+          <p:cNvSpPr>
+            <a:spLocks noGrp="1"/>
+          </p:cNvSpPr>
+          <p:nvPr>
+            <p:ph type="title"/>
+          </p:nvPr>
+        </p:nvSpPr>
+        <p:spPr>
+          <a:xfrm>
+            <a:off x="374709" y="461352"/>
+            <a:ext cx="7729728" cy="1188720"/>
+          </a:xfrm>
+        </p:spPr>
+        <p:txBody>
+          <a:bodyPr/>
+          <a:lstStyle/>
+          <a:p>
+            <a:r>
+              <a:rPr lang="en-GB" dirty="0"/>
+              <a:t>Actually done</a:t>
+            </a:r>
+            <a:endParaRPr lang="nl-BE" dirty="0"/>
+          </a:p>
+        </p:txBody>
+      </p:sp>
+      <p:sp>
+        <p:nvSpPr>
+          <p:cNvPr id="3" name="Tijdelijke aanduiding voor inhoud 2"/>
+          <p:cNvSpPr>
+            <a:spLocks noGrp="1"/>
+          </p:cNvSpPr>
+          <p:nvPr>
+            <p:ph idx="1"/>
+          </p:nvPr>
+        </p:nvSpPr>
+        <p:spPr>
+          <a:xfrm>
+            <a:off x="374709" y="1837189"/>
+            <a:ext cx="7729728" cy="4714613"/>
+          </a:xfrm>
+        </p:spPr>
+        <p:txBody>
+          <a:bodyPr>
+            <a:normAutofit/>
+          </a:bodyPr>
+          <a:lstStyle/>
+          <a:p>
+            <a:r>
+              <a:rPr lang="nl-BE" dirty="0">
+                <a:hlinkClick r:id="rId4"/>
+              </a:rPr>
+              <a:t>https://books.google.be/books?id=1IEXCAAAQBAJ&amp;lpg=PT437&amp;ots=0oZ_SIQZkM&amp;dq=johnny%20five%20ps3&amp;hl=nl&amp;pg=PT8#v=onepage&amp;q&amp;f=false</a:t>
+            </a:r>
+          </a:p>
+          <a:p>
+            <a:r>
+              <a:rPr lang="nl-BE" dirty="0">
+                <a:hlinkClick r:id="rId4"/>
+              </a:rPr>
+              <a:t>http://www.instructables.com/id/Javascript-robotics-and-browser-based-Arduino-cont/</a:t>
+            </a:r>
+            <a:endParaRPr lang="nl-BE" dirty="0"/>
+          </a:p>
+          <a:p>
+            <a:r>
+              <a:rPr lang="nl-BE" dirty="0">
+                <a:hlinkClick r:id="rId5"/>
+              </a:rPr>
+              <a:t>http://johnny-five.io/examples/</a:t>
+            </a:r>
+            <a:r>
+              <a:rPr lang="nl-BE" dirty="0"/>
+              <a:t> </a:t>
+            </a:r>
+            <a:endParaRPr lang="en-GB" dirty="0"/>
+          </a:p>
+          <a:p>
+            <a:r>
+              <a:rPr lang="en-GB" dirty="0" err="1"/>
+              <a:t>Woorden</a:t>
+            </a:r>
+            <a:r>
+              <a:rPr lang="en-GB" dirty="0"/>
+              <a:t> </a:t>
+            </a:r>
+            <a:r>
+              <a:rPr lang="en-GB" dirty="0" err="1"/>
+              <a:t>vertalen</a:t>
+            </a:r>
+            <a:r>
+              <a:rPr lang="en-GB" dirty="0"/>
+              <a:t> </a:t>
+            </a:r>
+            <a:r>
+              <a:rPr lang="en-GB" dirty="0" err="1"/>
+              <a:t>naar</a:t>
+            </a:r>
+            <a:r>
+              <a:rPr lang="en-GB" dirty="0"/>
+              <a:t> </a:t>
+            </a:r>
+            <a:r>
+              <a:rPr lang="en-GB" dirty="0" err="1"/>
+              <a:t>morse</a:t>
+            </a:r>
+            <a:endParaRPr lang="en-GB" dirty="0"/>
+          </a:p>
+          <a:p>
+            <a:pPr lvl="1"/>
+            <a:r>
+              <a:rPr lang="en-GB" dirty="0" err="1"/>
+              <a:t>Omgekeerde</a:t>
+            </a:r>
+            <a:r>
+              <a:rPr lang="en-GB" dirty="0"/>
+              <a:t> </a:t>
+            </a:r>
+            <a:r>
+              <a:rPr lang="en-GB" dirty="0" err="1"/>
+              <a:t>richting</a:t>
+            </a:r>
+            <a:endParaRPr lang="en-GB" dirty="0"/>
+          </a:p>
+          <a:p>
+            <a:pPr lvl="2"/>
+            <a:r>
+              <a:rPr lang="en-GB" dirty="0"/>
+              <a:t>http://johnny-five.io/examples/button/</a:t>
+            </a:r>
+          </a:p>
+          <a:p>
+            <a:pPr lvl="2"/>
+            <a:r>
+              <a:rPr lang="en-GB" dirty="0" err="1"/>
+              <a:t>Geen</a:t>
+            </a:r>
+            <a:r>
+              <a:rPr lang="en-GB" dirty="0"/>
+              <a:t> button</a:t>
+            </a:r>
+          </a:p>
+          <a:p>
+            <a:pPr lvl="1"/>
+            <a:r>
+              <a:rPr lang="en-GB" dirty="0" err="1"/>
+              <a:t>Visualiseren</a:t>
+            </a:r>
+            <a:r>
+              <a:rPr lang="en-GB" dirty="0"/>
+              <a:t> via led</a:t>
+            </a:r>
+          </a:p>
+          <a:p>
+            <a:pPr lvl="2"/>
+            <a:r>
+              <a:rPr lang="en-GB" dirty="0" err="1"/>
+              <a:t>Eerst</a:t>
+            </a:r>
+            <a:r>
+              <a:rPr lang="en-GB" dirty="0"/>
+              <a:t> </a:t>
+            </a:r>
+            <a:r>
+              <a:rPr lang="en-GB" dirty="0" err="1"/>
+              <a:t>één</a:t>
+            </a:r>
+            <a:r>
+              <a:rPr lang="en-GB" dirty="0"/>
+              <a:t> letter</a:t>
+            </a:r>
+          </a:p>
+          <a:p>
+            <a:pPr lvl="2"/>
+            <a:r>
+              <a:rPr lang="en-GB" dirty="0" err="1"/>
+              <a:t>Daarna</a:t>
+            </a:r>
+            <a:r>
+              <a:rPr lang="en-GB" dirty="0"/>
+              <a:t> </a:t>
+            </a:r>
+            <a:r>
+              <a:rPr lang="en-GB" dirty="0" err="1"/>
+              <a:t>woorden</a:t>
+            </a:r>
+            <a:endParaRPr lang="en-GB" dirty="0"/>
+          </a:p>
+          <a:p>
+            <a:pPr lvl="2"/>
+            <a:r>
+              <a:rPr lang="en-GB" dirty="0"/>
+              <a:t>Not much, but it works</a:t>
+            </a:r>
+          </a:p>
+          <a:p>
+            <a:endParaRPr lang="nl-BE" dirty="0"/>
+          </a:p>
+        </p:txBody>
+      </p:sp>
+      <p:pic>
+        <p:nvPicPr>
+          <p:cNvPr id="4" name="video-1485210323">
+            <a:hlinkClick r:id="" action="ppaction://media"/>
+          </p:cNvPr>
+          <p:cNvPicPr>
+            <a:picLocks noChangeAspect="1"/>
+          </p:cNvPicPr>
+          <p:nvPr>
+            <a:videoFile r:link="rId2"/>
+            <p:extLst>
+              <p:ext uri="{DAA4B4D4-6D71-4841-9C94-3DE7FCFB9230}">
+                <p14:media xmlns:p14="http://schemas.microsoft.com/office/powerpoint/2010/main" r:embed="rId1"/>
+              </p:ext>
+            </p:extLst>
+          </p:nvPr>
+        </p:nvPicPr>
+        <p:blipFill>
+          <a:blip r:embed="rId6"/>
+          <a:stretch>
+            <a:fillRect/>
+          </a:stretch>
+        </p:blipFill>
+        <p:spPr>
+          <a:xfrm>
+            <a:off x="8414012" y="461352"/>
+            <a:ext cx="3383583" cy="6090450"/>
+          </a:xfrm>
+          <a:prstGeom prst="rect">
+            <a:avLst/>
+          </a:prstGeom>
+        </p:spPr>
+      </p:pic>
+    </p:spTree>
+    <p:extLst>
+      <p:ext uri="{BB962C8B-B14F-4D97-AF65-F5344CB8AC3E}">
+        <p14:creationId xmlns:p14="http://schemas.microsoft.com/office/powerpoint/2010/main" val="2222164693"/>
+      </p:ext>
+    </p:extLst>
+  </p:cSld>
+  <p:clrMapOvr>
+    <a:masterClrMapping/>
+  </p:clrMapOvr>
+  <p:timing>
+    <p:tnLst>
+      <p:par>
+        <p:cTn id="1" dur="indefinite" restart="never" nodeType="tmRoot">
+          <p:childTnLst>
+            <p:seq concurrent="1" nextAc="seek">
+              <p:cTn id="2" restart="whenNotActive" fill="hold" evtFilter="cancelBubble" nodeType="interactiveSeq">
+                <p:stCondLst>
+                  <p:cond evt="onClick" delay="0">
+                    <p:tgtEl>
+                      <p:spTgt spid="4"/>
+                    </p:tgtEl>
+                  </p:cond>
+                </p:stCondLst>
+                <p:endSync evt="end" delay="0">
+                  <p:rtn val="all"/>
+                </p:endSync>
+                <p:childTnLst>
+                  <p:par>
+                    <p:cTn id="3" fill="hold">
+                      <p:stCondLst>
+                        <p:cond delay="0"/>
+                      </p:stCondLst>
+                      <p:childTnLst>
+                        <p:par>
+                          <p:cTn id="4" fill="hold">
+                            <p:stCondLst>
+                              <p:cond delay="0"/>
+                            </p:stCondLst>
+                            <p:childTnLst>
+                              <p:par>
+                                <p:cTn id="5" presetID="2" presetClass="mediacall" presetSubtype="0" fill="hold" nodeType="clickEffect">
+                                  <p:stCondLst>
+                                    <p:cond delay="0"/>
+                                  </p:stCondLst>
+                                  <p:childTnLst>
+                                    <p:cmd type="call" cmd="togglePause">
+                                      <p:cBhvr>
+                                        <p:cTn id="6" dur="1" fill="hold"/>
+                                        <p:tgtEl>
+                                          <p:spTgt spid="4"/>
+                                        </p:tgtEl>
+                                      </p:cBhvr>
+                                    </p:cmd>
+                                  </p:childTnLst>
+                                </p:cTn>
+                              </p:par>
+                            </p:childTnLst>
+                          </p:cTn>
+                        </p:par>
+                      </p:childTnLst>
+                    </p:cTn>
+                  </p:par>
+                </p:childTnLst>
+              </p:cTn>
+              <p:nextCondLst>
+                <p:cond evt="onClick" delay="0">
+                  <p:tgtEl>
+                    <p:spTgt spid="4"/>
+                  </p:tgtEl>
+                </p:cond>
+              </p:nextCondLst>
+            </p:seq>
+            <p:video>
+              <p:cMediaNode vol="80000">
+                <p:cTn id="7" fill="hold" display="0">
+                  <p:stCondLst>
+                    <p:cond delay="indefinite"/>
+                  </p:stCondLst>
+                </p:cTn>
+                <p:tgtEl>
+                  <p:spTgt spid="4"/>
+                </p:tgtEl>
+              </p:cMediaNode>
+            </p:video>
+          </p:childTnLst>
+        </p:cTn>
+      </p:par>
+    </p:tnLst>
+  </p:timing>
 </p:sld>
 </file>
 
